--- a/RTL设计方法_5.pptx
+++ b/RTL设计方法_5.pptx
@@ -5,7 +5,7 @@
     <p:sldMasterId id="2147483648" r:id="rId1"/>
   </p:sldMasterIdLst>
   <p:notesMasterIdLst>
-    <p:notesMasterId r:id="rId14"/>
+    <p:notesMasterId r:id="rId13"/>
   </p:notesMasterIdLst>
   <p:sldIdLst>
     <p:sldId id="256" r:id="rId2"/>
@@ -17,9 +17,8 @@
     <p:sldId id="297" r:id="rId8"/>
     <p:sldId id="293" r:id="rId9"/>
     <p:sldId id="296" r:id="rId10"/>
-    <p:sldId id="306" r:id="rId11"/>
-    <p:sldId id="298" r:id="rId12"/>
-    <p:sldId id="303" r:id="rId13"/>
+    <p:sldId id="298" r:id="rId11"/>
+    <p:sldId id="303" r:id="rId12"/>
   </p:sldIdLst>
   <p:sldSz cx="12192000" cy="6858000"/>
   <p:notesSz cx="6797675" cy="9926638"/>
@@ -9163,791 +9162,6 @@
         <p:cNvPr id="1" name="">
           <a:extLst>
             <a:ext uri="{FF2B5EF4-FFF2-40B4-BE49-F238E27FC236}">
-              <a16:creationId xmlns:a16="http://schemas.microsoft.com/office/drawing/2014/main" id="{67DDEED6-E6B3-DF91-4A4E-CA5077B9E030}"/>
-            </a:ext>
-          </a:extLst>
-        </p:cNvPr>
-        <p:cNvGrpSpPr/>
-        <p:nvPr/>
-      </p:nvGrpSpPr>
-      <p:grpSpPr>
-        <a:xfrm>
-          <a:off x="0" y="0"/>
-          <a:ext cx="0" cy="0"/>
-          <a:chOff x="0" y="0"/>
-          <a:chExt cx="0" cy="0"/>
-        </a:xfrm>
-      </p:grpSpPr>
-      <p:sp>
-        <p:nvSpPr>
-          <p:cNvPr id="2" name="标题 1">
-            <a:extLst>
-              <a:ext uri="{FF2B5EF4-FFF2-40B4-BE49-F238E27FC236}">
-                <a16:creationId xmlns:a16="http://schemas.microsoft.com/office/drawing/2014/main" id="{FF4C444F-7129-C55E-2F31-FA28E5CFBBC4}"/>
-              </a:ext>
-            </a:extLst>
-          </p:cNvPr>
-          <p:cNvSpPr>
-            <a:spLocks noGrp="1"/>
-          </p:cNvSpPr>
-          <p:nvPr>
-            <p:ph type="title"/>
-          </p:nvPr>
-        </p:nvSpPr>
-        <p:spPr/>
-        <p:txBody>
-          <a:bodyPr/>
-          <a:lstStyle/>
-          <a:p>
-            <a:r>
-              <a:rPr lang="zh-CN" altLang="en-US" dirty="0"/>
-              <a:t>控制逻辑与数据流</a:t>
-            </a:r>
-          </a:p>
-        </p:txBody>
-      </p:sp>
-      <mc:AlternateContent xmlns:mc="http://schemas.openxmlformats.org/markup-compatibility/2006">
-        <mc:Choice xmlns:a14="http://schemas.microsoft.com/office/drawing/2010/main" Requires="a14">
-          <p:sp>
-            <p:nvSpPr>
-              <p:cNvPr id="8" name="文本框 7">
-                <a:extLst>
-                  <a:ext uri="{FF2B5EF4-FFF2-40B4-BE49-F238E27FC236}">
-                    <a16:creationId xmlns:a16="http://schemas.microsoft.com/office/drawing/2014/main" id="{5615F5A3-18E9-9BB4-5EA5-E458C772B940}"/>
-                  </a:ext>
-                </a:extLst>
-              </p:cNvPr>
-              <p:cNvSpPr txBox="1"/>
-              <p:nvPr/>
-            </p:nvSpPr>
-            <p:spPr>
-              <a:xfrm>
-                <a:off x="5551307" y="2143793"/>
-                <a:ext cx="5473701" cy="3459986"/>
-              </a:xfrm>
-              <a:prstGeom prst="rect">
-                <a:avLst/>
-              </a:prstGeom>
-              <a:noFill/>
-            </p:spPr>
-            <p:txBody>
-              <a:bodyPr wrap="square">
-                <a:spAutoFit/>
-              </a:bodyPr>
-              <a:lstStyle/>
-              <a:p>
-                <a:pPr>
-                  <a:lnSpc>
-                    <a:spcPct val="200000"/>
-                  </a:lnSpc>
-                </a:pPr>
-                <a:r>
-                  <a:rPr lang="zh-CN" altLang="en-US" sz="1600" spc="100" dirty="0">
-                    <a:solidFill>
-                      <a:prstClr val="black"/>
-                    </a:solidFill>
-                    <a:latin typeface="youyuan" panose="02010509060101010101" pitchFamily="49" charset="-122"/>
-                    <a:ea typeface="youyuan" panose="02010509060101010101" pitchFamily="49" charset="-122"/>
-                    <a:cs typeface="+mn-ea"/>
-                    <a:sym typeface="+mn-lt"/>
-                  </a:rPr>
-                  <a:t>代码生成的</a:t>
-                </a:r>
-                <a14:m>
-                  <m:oMath xmlns:m="http://schemas.openxmlformats.org/officeDocument/2006/math">
-                    <m:r>
-                      <a:rPr lang="zh-CN" altLang="en-US" sz="1600" i="1" spc="100" dirty="0" smtClean="0">
-                        <a:solidFill>
-                          <a:prstClr val="black"/>
-                        </a:solidFill>
-                        <a:latin typeface="Cambria Math" panose="02040503050406030204" pitchFamily="18" charset="0"/>
-                        <a:ea typeface="youyuan" panose="02010509060101010101" pitchFamily="49" charset="-122"/>
-                        <a:cs typeface="+mn-ea"/>
-                        <a:sym typeface="+mn-lt"/>
-                      </a:rPr>
-                      <m:t>“</m:t>
-                    </m:r>
-                    <m:r>
-                      <a:rPr lang="en-US" altLang="zh-CN" sz="1600" i="1" spc="100" dirty="0" smtClean="0">
-                        <a:solidFill>
-                          <a:prstClr val="black"/>
-                        </a:solidFill>
-                        <a:latin typeface="Cambria Math" panose="02040503050406030204" pitchFamily="18" charset="0"/>
-                        <a:ea typeface="youyuan" panose="02010509060101010101" pitchFamily="49" charset="-122"/>
-                        <a:cs typeface="+mn-ea"/>
-                        <a:sym typeface="+mn-lt"/>
-                      </a:rPr>
-                      <m:t>∗.</m:t>
-                    </m:r>
-                    <m:r>
-                      <a:rPr lang="en-US" altLang="zh-CN" sz="1600" i="1" spc="100" dirty="0" smtClean="0">
-                        <a:solidFill>
-                          <a:prstClr val="black"/>
-                        </a:solidFill>
-                        <a:latin typeface="Cambria Math" panose="02040503050406030204" pitchFamily="18" charset="0"/>
-                        <a:ea typeface="youyuan" panose="02010509060101010101" pitchFamily="49" charset="-122"/>
-                        <a:cs typeface="+mn-ea"/>
-                        <a:sym typeface="+mn-lt"/>
-                      </a:rPr>
-                      <m:t>h</m:t>
-                    </m:r>
-                    <m:r>
-                      <a:rPr lang="zh-CN" altLang="en-US" sz="1600" i="1" spc="100" dirty="0" smtClean="0">
-                        <a:solidFill>
-                          <a:prstClr val="black"/>
-                        </a:solidFill>
-                        <a:latin typeface="Cambria Math" panose="02040503050406030204" pitchFamily="18" charset="0"/>
-                        <a:ea typeface="youyuan" panose="02010509060101010101" pitchFamily="49" charset="-122"/>
-                        <a:cs typeface="+mn-ea"/>
-                        <a:sym typeface="+mn-lt"/>
-                      </a:rPr>
-                      <m:t>”</m:t>
-                    </m:r>
-                  </m:oMath>
-                </a14:m>
-                <a:r>
-                  <a:rPr lang="zh-CN" altLang="en-US" sz="1600" spc="100" dirty="0">
-                    <a:solidFill>
-                      <a:prstClr val="black"/>
-                    </a:solidFill>
-                    <a:latin typeface="youyuan" panose="02010509060101010101" pitchFamily="49" charset="-122"/>
-                    <a:ea typeface="youyuan" panose="02010509060101010101" pitchFamily="49" charset="-122"/>
-                    <a:cs typeface="+mn-ea"/>
-                    <a:sym typeface="+mn-lt"/>
-                  </a:rPr>
-                  <a:t>文件里系统系统已经帮我们写好了输入输出的结构体，因此我们需要进行以下几步操作：</a:t>
-                </a:r>
-                <a:endParaRPr lang="en-US" altLang="zh-CN" sz="1600" spc="100" dirty="0">
-                  <a:solidFill>
-                    <a:prstClr val="black"/>
-                  </a:solidFill>
-                  <a:latin typeface="youyuan" panose="02010509060101010101" pitchFamily="49" charset="-122"/>
-                  <a:ea typeface="youyuan" panose="02010509060101010101" pitchFamily="49" charset="-122"/>
-                  <a:cs typeface="+mn-ea"/>
-                  <a:sym typeface="+mn-lt"/>
-                </a:endParaRPr>
-              </a:p>
-              <a:p>
-                <a:pPr marL="742950" lvl="1" indent="-285750">
-                  <a:lnSpc>
-                    <a:spcPct val="200000"/>
-                  </a:lnSpc>
-                  <a:buFont typeface="Wingdings" panose="05000000000000000000" pitchFamily="2" charset="2"/>
-                  <a:buChar char="p"/>
-                </a:pPr>
-                <a:r>
-                  <a:rPr lang="zh-CN" altLang="en-US" sz="1600" spc="100" dirty="0">
-                    <a:solidFill>
-                      <a:prstClr val="black"/>
-                    </a:solidFill>
-                    <a:latin typeface="youyuan" panose="02010509060101010101" pitchFamily="49" charset="-122"/>
-                    <a:ea typeface="youyuan" panose="02010509060101010101" pitchFamily="49" charset="-122"/>
-                    <a:cs typeface="+mn-ea"/>
-                    <a:sym typeface="+mn-lt"/>
-                  </a:rPr>
-                  <a:t>在</a:t>
-                </a:r>
-                <a14:m>
-                  <m:oMath xmlns:m="http://schemas.openxmlformats.org/officeDocument/2006/math">
-                    <m:r>
-                      <a:rPr lang="en-US" altLang="zh-CN" sz="1600" i="1" spc="100" dirty="0" smtClean="0">
-                        <a:solidFill>
-                          <a:prstClr val="black"/>
-                        </a:solidFill>
-                        <a:latin typeface="Cambria Math" panose="02040503050406030204" pitchFamily="18" charset="0"/>
-                        <a:ea typeface="youyuan" panose="02010509060101010101" pitchFamily="49" charset="-122"/>
-                        <a:cs typeface="+mn-ea"/>
-                        <a:sym typeface="+mn-lt"/>
-                      </a:rPr>
-                      <m:t>𝑚𝑎𝑖𝑛</m:t>
-                    </m:r>
-                  </m:oMath>
-                </a14:m>
-                <a:r>
-                  <a:rPr lang="zh-CN" altLang="en-US" sz="1600" spc="100" dirty="0">
-                    <a:solidFill>
-                      <a:prstClr val="black"/>
-                    </a:solidFill>
-                    <a:latin typeface="youyuan" panose="02010509060101010101" pitchFamily="49" charset="-122"/>
-                    <a:ea typeface="youyuan" panose="02010509060101010101" pitchFamily="49" charset="-122"/>
-                    <a:cs typeface="+mn-ea"/>
-                    <a:sym typeface="+mn-lt"/>
-                  </a:rPr>
-                  <a:t>函数开始阶段调用</a:t>
-                </a:r>
-                <a14:m>
-                  <m:oMath xmlns:m="http://schemas.openxmlformats.org/officeDocument/2006/math">
-                    <m:r>
-                      <a:rPr lang="en-US" altLang="zh-CN" sz="1600" i="1" spc="100" dirty="0" smtClean="0">
-                        <a:solidFill>
-                          <a:prstClr val="black"/>
-                        </a:solidFill>
-                        <a:latin typeface="Cambria Math" panose="02040503050406030204" pitchFamily="18" charset="0"/>
-                        <a:ea typeface="youyuan" panose="02010509060101010101" pitchFamily="49" charset="-122"/>
-                        <a:cs typeface="+mn-ea"/>
-                        <a:sym typeface="+mn-lt"/>
-                      </a:rPr>
-                      <m:t>𝑖𝑛𝑖𝑡𝑖𝑎𝑙𝑖𝑧𝑒</m:t>
-                    </m:r>
-                  </m:oMath>
-                </a14:m>
-                <a:r>
-                  <a:rPr lang="zh-CN" altLang="en-US" sz="1600" spc="100" dirty="0">
-                    <a:solidFill>
-                      <a:prstClr val="black"/>
-                    </a:solidFill>
-                    <a:latin typeface="youyuan" panose="02010509060101010101" pitchFamily="49" charset="-122"/>
-                    <a:ea typeface="youyuan" panose="02010509060101010101" pitchFamily="49" charset="-122"/>
-                    <a:cs typeface="+mn-ea"/>
-                    <a:sym typeface="+mn-lt"/>
-                  </a:rPr>
-                  <a:t>函数；</a:t>
-                </a:r>
-                <a:endParaRPr lang="en-US" altLang="zh-CN" sz="1600" spc="100" dirty="0">
-                  <a:solidFill>
-                    <a:prstClr val="black"/>
-                  </a:solidFill>
-                  <a:latin typeface="youyuan" panose="02010509060101010101" pitchFamily="49" charset="-122"/>
-                  <a:ea typeface="youyuan" panose="02010509060101010101" pitchFamily="49" charset="-122"/>
-                  <a:cs typeface="+mn-ea"/>
-                  <a:sym typeface="+mn-lt"/>
-                </a:endParaRPr>
-              </a:p>
-              <a:p>
-                <a:pPr marL="742950" lvl="1" indent="-285750">
-                  <a:lnSpc>
-                    <a:spcPct val="200000"/>
-                  </a:lnSpc>
-                  <a:buFont typeface="Wingdings" panose="05000000000000000000" pitchFamily="2" charset="2"/>
-                  <a:buChar char="p"/>
-                </a:pPr>
-                <a:r>
-                  <a:rPr lang="zh-CN" altLang="en-US" sz="1600" spc="100" dirty="0">
-                    <a:solidFill>
-                      <a:prstClr val="black"/>
-                    </a:solidFill>
-                    <a:latin typeface="youyuan" panose="02010509060101010101" pitchFamily="49" charset="-122"/>
-                    <a:ea typeface="youyuan" panose="02010509060101010101" pitchFamily="49" charset="-122"/>
-                    <a:cs typeface="+mn-ea"/>
-                    <a:sym typeface="+mn-lt"/>
-                  </a:rPr>
-                  <a:t>在</a:t>
-                </a:r>
-                <a14:m>
-                  <m:oMath xmlns:m="http://schemas.openxmlformats.org/officeDocument/2006/math">
-                    <m:r>
-                      <a:rPr lang="en-US" altLang="zh-CN" sz="1600" i="1" spc="100" dirty="0" smtClean="0">
-                        <a:solidFill>
-                          <a:prstClr val="black"/>
-                        </a:solidFill>
-                        <a:latin typeface="Cambria Math" panose="02040503050406030204" pitchFamily="18" charset="0"/>
-                        <a:ea typeface="youyuan" panose="02010509060101010101" pitchFamily="49" charset="-122"/>
-                        <a:cs typeface="+mn-ea"/>
-                        <a:sym typeface="+mn-lt"/>
-                      </a:rPr>
-                      <m:t>𝑇𝑖𝑚𝑒𝑟</m:t>
-                    </m:r>
-                  </m:oMath>
-                </a14:m>
-                <a:r>
-                  <a:rPr lang="zh-CN" altLang="en-US" sz="1600" spc="100" dirty="0">
-                    <a:solidFill>
-                      <a:prstClr val="black"/>
-                    </a:solidFill>
-                    <a:latin typeface="youyuan" panose="02010509060101010101" pitchFamily="49" charset="-122"/>
-                    <a:ea typeface="youyuan" panose="02010509060101010101" pitchFamily="49" charset="-122"/>
-                    <a:cs typeface="+mn-ea"/>
-                    <a:sym typeface="+mn-lt"/>
-                  </a:rPr>
-                  <a:t>定时</a:t>
-                </a:r>
-                <a:r>
-                  <a:rPr lang="en-US" altLang="zh-CN" sz="1600" spc="100" dirty="0">
-                    <a:solidFill>
-                      <a:prstClr val="black"/>
-                    </a:solidFill>
-                    <a:latin typeface="youyuan" panose="02010509060101010101" pitchFamily="49" charset="-122"/>
-                    <a:ea typeface="youyuan" panose="02010509060101010101" pitchFamily="49" charset="-122"/>
-                    <a:cs typeface="+mn-ea"/>
-                    <a:sym typeface="+mn-lt"/>
-                  </a:rPr>
-                  <a:t>/</a:t>
-                </a:r>
-                <a:r>
-                  <a:rPr lang="zh-CN" altLang="en-US" sz="1600" spc="100" dirty="0">
-                    <a:solidFill>
-                      <a:prstClr val="black"/>
-                    </a:solidFill>
-                    <a:latin typeface="youyuan" panose="02010509060101010101" pitchFamily="49" charset="-122"/>
-                    <a:ea typeface="youyuan" panose="02010509060101010101" pitchFamily="49" charset="-122"/>
-                    <a:cs typeface="+mn-ea"/>
-                    <a:sym typeface="+mn-lt"/>
-                  </a:rPr>
-                  <a:t>中断中为输入端口</a:t>
-                </a:r>
-                <a14:m>
-                  <m:oMath xmlns:m="http://schemas.openxmlformats.org/officeDocument/2006/math">
-                    <m:r>
-                      <a:rPr lang="en-US" altLang="zh-CN" sz="1600" i="1" spc="100" dirty="0" smtClean="0">
-                        <a:solidFill>
-                          <a:prstClr val="black"/>
-                        </a:solidFill>
-                        <a:latin typeface="Cambria Math" panose="02040503050406030204" pitchFamily="18" charset="0"/>
-                        <a:ea typeface="youyuan" panose="02010509060101010101" pitchFamily="49" charset="-122"/>
-                        <a:cs typeface="+mn-ea"/>
-                        <a:sym typeface="+mn-lt"/>
-                      </a:rPr>
-                      <m:t>∗_</m:t>
-                    </m:r>
-                    <m:r>
-                      <a:rPr lang="en-US" altLang="zh-CN" sz="1600" b="0" i="1" spc="100" dirty="0" smtClean="0">
-                        <a:solidFill>
-                          <a:prstClr val="black"/>
-                        </a:solidFill>
-                        <a:latin typeface="Cambria Math" panose="02040503050406030204" pitchFamily="18" charset="0"/>
-                        <a:ea typeface="youyuan" panose="02010509060101010101" pitchFamily="49" charset="-122"/>
-                        <a:cs typeface="+mn-ea"/>
-                        <a:sym typeface="+mn-lt"/>
-                      </a:rPr>
-                      <m:t>𝑈</m:t>
-                    </m:r>
-                  </m:oMath>
-                </a14:m>
-                <a:r>
-                  <a:rPr lang="zh-CN" altLang="en-US" sz="1600" spc="100" dirty="0">
-                    <a:solidFill>
-                      <a:prstClr val="black"/>
-                    </a:solidFill>
-                    <a:latin typeface="youyuan" panose="02010509060101010101" pitchFamily="49" charset="-122"/>
-                    <a:ea typeface="youyuan" panose="02010509060101010101" pitchFamily="49" charset="-122"/>
-                    <a:cs typeface="+mn-ea"/>
-                    <a:sym typeface="+mn-lt"/>
-                  </a:rPr>
-                  <a:t>赋值；</a:t>
-                </a:r>
-                <a:endParaRPr lang="en-US" altLang="zh-CN" sz="1600" spc="100" dirty="0">
-                  <a:solidFill>
-                    <a:prstClr val="black"/>
-                  </a:solidFill>
-                  <a:latin typeface="youyuan" panose="02010509060101010101" pitchFamily="49" charset="-122"/>
-                  <a:ea typeface="youyuan" panose="02010509060101010101" pitchFamily="49" charset="-122"/>
-                  <a:cs typeface="+mn-ea"/>
-                  <a:sym typeface="+mn-lt"/>
-                </a:endParaRPr>
-              </a:p>
-              <a:p>
-                <a:pPr marL="742950" lvl="1" indent="-285750">
-                  <a:lnSpc>
-                    <a:spcPct val="200000"/>
-                  </a:lnSpc>
-                  <a:buFont typeface="Wingdings" panose="05000000000000000000" pitchFamily="2" charset="2"/>
-                  <a:buChar char="p"/>
-                </a:pPr>
-                <a:r>
-                  <a:rPr lang="zh-CN" altLang="en-US" sz="1600" spc="100" dirty="0">
-                    <a:solidFill>
-                      <a:prstClr val="black"/>
-                    </a:solidFill>
-                    <a:latin typeface="youyuan" panose="02010509060101010101" pitchFamily="49" charset="-122"/>
-                    <a:ea typeface="youyuan" panose="02010509060101010101" pitchFamily="49" charset="-122"/>
-                    <a:cs typeface="+mn-ea"/>
-                    <a:sym typeface="+mn-lt"/>
-                  </a:rPr>
-                  <a:t>在</a:t>
-                </a:r>
-                <a14:m>
-                  <m:oMath xmlns:m="http://schemas.openxmlformats.org/officeDocument/2006/math">
-                    <m:r>
-                      <a:rPr lang="en-US" altLang="zh-CN" sz="1600" i="1" spc="100" dirty="0" smtClean="0">
-                        <a:solidFill>
-                          <a:prstClr val="black"/>
-                        </a:solidFill>
-                        <a:latin typeface="Cambria Math" panose="02040503050406030204" pitchFamily="18" charset="0"/>
-                        <a:ea typeface="youyuan" panose="02010509060101010101" pitchFamily="49" charset="-122"/>
-                        <a:cs typeface="+mn-ea"/>
-                        <a:sym typeface="+mn-lt"/>
-                      </a:rPr>
-                      <m:t>𝑇𝑖𝑚𝑒𝑟</m:t>
-                    </m:r>
-                  </m:oMath>
-                </a14:m>
-                <a:r>
-                  <a:rPr lang="zh-CN" altLang="en-US" sz="1600" spc="100" dirty="0">
-                    <a:solidFill>
-                      <a:prstClr val="black"/>
-                    </a:solidFill>
-                    <a:latin typeface="youyuan" panose="02010509060101010101" pitchFamily="49" charset="-122"/>
-                    <a:ea typeface="youyuan" panose="02010509060101010101" pitchFamily="49" charset="-122"/>
-                    <a:cs typeface="+mn-ea"/>
-                    <a:sym typeface="+mn-lt"/>
-                  </a:rPr>
-                  <a:t>定时</a:t>
-                </a:r>
-                <a:r>
-                  <a:rPr lang="en-US" altLang="zh-CN" sz="1600" spc="100" dirty="0">
-                    <a:solidFill>
-                      <a:prstClr val="black"/>
-                    </a:solidFill>
-                    <a:latin typeface="youyuan" panose="02010509060101010101" pitchFamily="49" charset="-122"/>
-                    <a:ea typeface="youyuan" panose="02010509060101010101" pitchFamily="49" charset="-122"/>
-                    <a:cs typeface="+mn-ea"/>
-                    <a:sym typeface="+mn-lt"/>
-                  </a:rPr>
-                  <a:t>/</a:t>
-                </a:r>
-                <a:r>
-                  <a:rPr lang="zh-CN" altLang="en-US" sz="1600" spc="100" dirty="0">
-                    <a:solidFill>
-                      <a:prstClr val="black"/>
-                    </a:solidFill>
-                    <a:latin typeface="youyuan" panose="02010509060101010101" pitchFamily="49" charset="-122"/>
-                    <a:ea typeface="youyuan" panose="02010509060101010101" pitchFamily="49" charset="-122"/>
-                    <a:cs typeface="+mn-ea"/>
-                    <a:sym typeface="+mn-lt"/>
-                  </a:rPr>
-                  <a:t>中断中调用</a:t>
-                </a:r>
-                <a14:m>
-                  <m:oMath xmlns:m="http://schemas.openxmlformats.org/officeDocument/2006/math">
-                    <m:r>
-                      <a:rPr lang="en-US" altLang="zh-CN" sz="1600" i="1" spc="100" dirty="0" smtClean="0">
-                        <a:solidFill>
-                          <a:prstClr val="black"/>
-                        </a:solidFill>
-                        <a:latin typeface="Cambria Math" panose="02040503050406030204" pitchFamily="18" charset="0"/>
-                        <a:ea typeface="youyuan" panose="02010509060101010101" pitchFamily="49" charset="-122"/>
-                        <a:cs typeface="+mn-ea"/>
-                        <a:sym typeface="+mn-lt"/>
-                      </a:rPr>
-                      <m:t>𝑟𝑡</m:t>
-                    </m:r>
-                    <m:r>
-                      <a:rPr lang="en-US" altLang="zh-CN" sz="1600" i="1" spc="100" dirty="0" smtClean="0">
-                        <a:solidFill>
-                          <a:prstClr val="black"/>
-                        </a:solidFill>
-                        <a:latin typeface="Cambria Math" panose="02040503050406030204" pitchFamily="18" charset="0"/>
-                        <a:ea typeface="youyuan" panose="02010509060101010101" pitchFamily="49" charset="-122"/>
-                        <a:cs typeface="+mn-ea"/>
-                        <a:sym typeface="+mn-lt"/>
-                      </a:rPr>
-                      <m:t>_</m:t>
-                    </m:r>
-                    <m:r>
-                      <a:rPr lang="en-US" altLang="zh-CN" sz="1600" i="1" spc="100" dirty="0" err="1" smtClean="0">
-                        <a:solidFill>
-                          <a:prstClr val="black"/>
-                        </a:solidFill>
-                        <a:latin typeface="Cambria Math" panose="02040503050406030204" pitchFamily="18" charset="0"/>
-                        <a:ea typeface="youyuan" panose="02010509060101010101" pitchFamily="49" charset="-122"/>
-                        <a:cs typeface="+mn-ea"/>
-                        <a:sym typeface="+mn-lt"/>
-                      </a:rPr>
-                      <m:t>𝑂𝑛𝑒𝑆𝑡𝑒𝑝</m:t>
-                    </m:r>
-                  </m:oMath>
-                </a14:m>
-                <a:r>
-                  <a:rPr lang="zh-CN" altLang="en-US" sz="1600" spc="100" dirty="0">
-                    <a:solidFill>
-                      <a:prstClr val="black"/>
-                    </a:solidFill>
-                    <a:latin typeface="youyuan" panose="02010509060101010101" pitchFamily="49" charset="-122"/>
-                    <a:ea typeface="youyuan" panose="02010509060101010101" pitchFamily="49" charset="-122"/>
-                    <a:cs typeface="+mn-ea"/>
-                    <a:sym typeface="+mn-lt"/>
-                  </a:rPr>
-                  <a:t>函数；</a:t>
-                </a:r>
-                <a:endParaRPr lang="en-US" altLang="zh-CN" sz="1600" spc="100" dirty="0">
-                  <a:solidFill>
-                    <a:prstClr val="black"/>
-                  </a:solidFill>
-                  <a:latin typeface="youyuan" panose="02010509060101010101" pitchFamily="49" charset="-122"/>
-                  <a:ea typeface="youyuan" panose="02010509060101010101" pitchFamily="49" charset="-122"/>
-                  <a:cs typeface="+mn-ea"/>
-                  <a:sym typeface="+mn-lt"/>
-                </a:endParaRPr>
-              </a:p>
-              <a:p>
-                <a:pPr marL="742950" lvl="1" indent="-285750">
-                  <a:lnSpc>
-                    <a:spcPct val="200000"/>
-                  </a:lnSpc>
-                  <a:buFont typeface="Wingdings" panose="05000000000000000000" pitchFamily="2" charset="2"/>
-                  <a:buChar char="p"/>
-                </a:pPr>
-                <a:r>
-                  <a:rPr lang="zh-CN" altLang="en-US" sz="1600" spc="100" dirty="0">
-                    <a:solidFill>
-                      <a:prstClr val="black"/>
-                    </a:solidFill>
-                    <a:latin typeface="youyuan" panose="02010509060101010101" pitchFamily="49" charset="-122"/>
-                    <a:ea typeface="youyuan" panose="02010509060101010101" pitchFamily="49" charset="-122"/>
-                    <a:cs typeface="+mn-ea"/>
-                    <a:sym typeface="+mn-lt"/>
-                  </a:rPr>
-                  <a:t>在</a:t>
-                </a:r>
-                <a14:m>
-                  <m:oMath xmlns:m="http://schemas.openxmlformats.org/officeDocument/2006/math">
-                    <m:r>
-                      <a:rPr lang="en-US" altLang="zh-CN" sz="1600" i="1" spc="100" dirty="0" smtClean="0">
-                        <a:solidFill>
-                          <a:prstClr val="black"/>
-                        </a:solidFill>
-                        <a:latin typeface="Cambria Math" panose="02040503050406030204" pitchFamily="18" charset="0"/>
-                        <a:ea typeface="youyuan" panose="02010509060101010101" pitchFamily="49" charset="-122"/>
-                        <a:cs typeface="+mn-ea"/>
-                        <a:sym typeface="+mn-lt"/>
-                      </a:rPr>
-                      <m:t>𝑇𝑖𝑚𝑒𝑟</m:t>
-                    </m:r>
-                  </m:oMath>
-                </a14:m>
-                <a:r>
-                  <a:rPr lang="zh-CN" altLang="en-US" sz="1600" spc="100" dirty="0">
-                    <a:solidFill>
-                      <a:prstClr val="black"/>
-                    </a:solidFill>
-                    <a:latin typeface="youyuan" panose="02010509060101010101" pitchFamily="49" charset="-122"/>
-                    <a:ea typeface="youyuan" panose="02010509060101010101" pitchFamily="49" charset="-122"/>
-                    <a:cs typeface="+mn-ea"/>
-                    <a:sym typeface="+mn-lt"/>
-                  </a:rPr>
-                  <a:t>定时</a:t>
-                </a:r>
-                <a:r>
-                  <a:rPr lang="en-US" altLang="zh-CN" sz="1600" spc="100" dirty="0">
-                    <a:solidFill>
-                      <a:prstClr val="black"/>
-                    </a:solidFill>
-                    <a:latin typeface="youyuan" panose="02010509060101010101" pitchFamily="49" charset="-122"/>
-                    <a:ea typeface="youyuan" panose="02010509060101010101" pitchFamily="49" charset="-122"/>
-                    <a:cs typeface="+mn-ea"/>
-                    <a:sym typeface="+mn-lt"/>
-                  </a:rPr>
-                  <a:t>/</a:t>
-                </a:r>
-                <a:r>
-                  <a:rPr lang="zh-CN" altLang="en-US" sz="1600" spc="100" dirty="0">
-                    <a:solidFill>
-                      <a:prstClr val="black"/>
-                    </a:solidFill>
-                    <a:latin typeface="youyuan" panose="02010509060101010101" pitchFamily="49" charset="-122"/>
-                    <a:ea typeface="youyuan" panose="02010509060101010101" pitchFamily="49" charset="-122"/>
-                    <a:cs typeface="+mn-ea"/>
-                    <a:sym typeface="+mn-lt"/>
-                  </a:rPr>
-                  <a:t>中断中获取输出端口</a:t>
-                </a:r>
-                <a14:m>
-                  <m:oMath xmlns:m="http://schemas.openxmlformats.org/officeDocument/2006/math">
-                    <m:r>
-                      <a:rPr lang="en-US" altLang="zh-CN" sz="1600" i="1" spc="100" dirty="0">
-                        <a:solidFill>
-                          <a:prstClr val="black"/>
-                        </a:solidFill>
-                        <a:latin typeface="Cambria Math" panose="02040503050406030204" pitchFamily="18" charset="0"/>
-                        <a:ea typeface="youyuan" panose="02010509060101010101" pitchFamily="49" charset="-122"/>
-                        <a:cs typeface="+mn-ea"/>
-                        <a:sym typeface="+mn-lt"/>
-                      </a:rPr>
-                      <m:t>∗_</m:t>
-                    </m:r>
-                    <m:r>
-                      <a:rPr lang="en-US" altLang="zh-CN" sz="1600" b="0" i="1" spc="100" dirty="0" smtClean="0">
-                        <a:solidFill>
-                          <a:prstClr val="black"/>
-                        </a:solidFill>
-                        <a:latin typeface="Cambria Math" panose="02040503050406030204" pitchFamily="18" charset="0"/>
-                        <a:ea typeface="youyuan" panose="02010509060101010101" pitchFamily="49" charset="-122"/>
-                        <a:cs typeface="+mn-ea"/>
-                        <a:sym typeface="+mn-lt"/>
-                      </a:rPr>
-                      <m:t>𝑌</m:t>
-                    </m:r>
-                  </m:oMath>
-                </a14:m>
-                <a:r>
-                  <a:rPr lang="zh-CN" altLang="en-US" sz="1600" spc="100" dirty="0">
-                    <a:solidFill>
-                      <a:prstClr val="black"/>
-                    </a:solidFill>
-                    <a:latin typeface="youyuan" panose="02010509060101010101" pitchFamily="49" charset="-122"/>
-                    <a:ea typeface="youyuan" panose="02010509060101010101" pitchFamily="49" charset="-122"/>
-                    <a:cs typeface="+mn-ea"/>
-                    <a:sym typeface="+mn-lt"/>
-                  </a:rPr>
-                  <a:t>数据；</a:t>
-                </a:r>
-                <a:endParaRPr lang="en-US" altLang="zh-CN" sz="1600" spc="100" dirty="0">
-                  <a:solidFill>
-                    <a:prstClr val="black"/>
-                  </a:solidFill>
-                  <a:latin typeface="youyuan" panose="02010509060101010101" pitchFamily="49" charset="-122"/>
-                  <a:ea typeface="youyuan" panose="02010509060101010101" pitchFamily="49" charset="-122"/>
-                  <a:cs typeface="+mn-ea"/>
-                  <a:sym typeface="+mn-lt"/>
-                </a:endParaRPr>
-              </a:p>
-              <a:p>
-                <a:pPr marL="742950" lvl="1" indent="-285750">
-                  <a:lnSpc>
-                    <a:spcPct val="200000"/>
-                  </a:lnSpc>
-                  <a:buFont typeface="Wingdings" panose="05000000000000000000" pitchFamily="2" charset="2"/>
-                  <a:buChar char="p"/>
-                </a:pPr>
-                <a:r>
-                  <a:rPr lang="zh-CN" altLang="en-US" sz="1600" spc="100" dirty="0">
-                    <a:solidFill>
-                      <a:prstClr val="black"/>
-                    </a:solidFill>
-                    <a:latin typeface="youyuan" panose="02010509060101010101" pitchFamily="49" charset="-122"/>
-                    <a:ea typeface="youyuan" panose="02010509060101010101" pitchFamily="49" charset="-122"/>
-                    <a:cs typeface="+mn-ea"/>
-                    <a:sym typeface="+mn-lt"/>
-                  </a:rPr>
-                  <a:t>在函数不再使用时调用</a:t>
-                </a:r>
-                <a14:m>
-                  <m:oMath xmlns:m="http://schemas.openxmlformats.org/officeDocument/2006/math">
-                    <m:r>
-                      <a:rPr lang="en-US" altLang="zh-CN" sz="1600" i="1" spc="100" dirty="0" smtClean="0">
-                        <a:solidFill>
-                          <a:prstClr val="black"/>
-                        </a:solidFill>
-                        <a:latin typeface="Cambria Math" panose="02040503050406030204" pitchFamily="18" charset="0"/>
-                        <a:ea typeface="youyuan" panose="02010509060101010101" pitchFamily="49" charset="-122"/>
-                        <a:cs typeface="+mn-ea"/>
-                        <a:sym typeface="+mn-lt"/>
-                      </a:rPr>
-                      <m:t>𝑡𝑒𝑟𝑚𝑖𝑛𝑎𝑡𝑒</m:t>
-                    </m:r>
-                  </m:oMath>
-                </a14:m>
-                <a:r>
-                  <a:rPr lang="zh-CN" altLang="en-US" sz="1600" spc="100" dirty="0">
-                    <a:solidFill>
-                      <a:prstClr val="black"/>
-                    </a:solidFill>
-                    <a:latin typeface="youyuan" panose="02010509060101010101" pitchFamily="49" charset="-122"/>
-                    <a:ea typeface="youyuan" panose="02010509060101010101" pitchFamily="49" charset="-122"/>
-                    <a:cs typeface="+mn-ea"/>
-                    <a:sym typeface="+mn-lt"/>
-                  </a:rPr>
-                  <a:t>注销；</a:t>
-                </a:r>
-                <a:endParaRPr lang="en-US" altLang="zh-CN" sz="1600" spc="100" dirty="0">
-                  <a:solidFill>
-                    <a:prstClr val="black"/>
-                  </a:solidFill>
-                  <a:latin typeface="youyuan" panose="02010509060101010101" pitchFamily="49" charset="-122"/>
-                  <a:ea typeface="youyuan" panose="02010509060101010101" pitchFamily="49" charset="-122"/>
-                  <a:cs typeface="+mn-ea"/>
-                  <a:sym typeface="+mn-lt"/>
-                </a:endParaRPr>
-              </a:p>
-            </p:txBody>
-          </p:sp>
-        </mc:Choice>
-        <mc:Fallback>
-          <p:sp>
-            <p:nvSpPr>
-              <p:cNvPr id="8" name="文本框 7">
-                <a:extLst>
-                  <a:ext uri="{FF2B5EF4-FFF2-40B4-BE49-F238E27FC236}">
-                    <a16:creationId xmlns:a16="http://schemas.microsoft.com/office/drawing/2014/main" id="{5615F5A3-18E9-9BB4-5EA5-E458C772B940}"/>
-                  </a:ext>
-                </a:extLst>
-              </p:cNvPr>
-              <p:cNvSpPr txBox="1">
-                <a:spLocks noRot="1" noChangeAspect="1" noMove="1" noResize="1" noEditPoints="1" noAdjustHandles="1" noChangeArrowheads="1" noChangeShapeType="1" noTextEdit="1"/>
-              </p:cNvSpPr>
-              <p:nvPr/>
-            </p:nvSpPr>
-            <p:spPr>
-              <a:xfrm>
-                <a:off x="5551307" y="2143793"/>
-                <a:ext cx="5473701" cy="3459986"/>
-              </a:xfrm>
-              <a:prstGeom prst="rect">
-                <a:avLst/>
-              </a:prstGeom>
-              <a:blipFill>
-                <a:blip r:embed="rId2"/>
-                <a:stretch>
-                  <a:fillRect l="-668" b="-1235"/>
-                </a:stretch>
-              </a:blipFill>
-            </p:spPr>
-            <p:txBody>
-              <a:bodyPr/>
-              <a:lstStyle/>
-              <a:p>
-                <a:r>
-                  <a:rPr lang="zh-CN" altLang="en-US">
-                    <a:noFill/>
-                  </a:rPr>
-                  <a:t> </a:t>
-                </a:r>
-              </a:p>
-            </p:txBody>
-          </p:sp>
-        </mc:Fallback>
-      </mc:AlternateContent>
-      <p:pic>
-        <p:nvPicPr>
-          <p:cNvPr id="3" name="图片 2">
-            <a:extLst>
-              <a:ext uri="{FF2B5EF4-FFF2-40B4-BE49-F238E27FC236}">
-                <a16:creationId xmlns:a16="http://schemas.microsoft.com/office/drawing/2014/main" id="{1E7FD93D-1F20-A053-D214-5DB51BE4F6C4}"/>
-              </a:ext>
-            </a:extLst>
-          </p:cNvPr>
-          <p:cNvPicPr>
-            <a:picLocks noChangeAspect="1"/>
-          </p:cNvPicPr>
-          <p:nvPr/>
-        </p:nvPicPr>
-        <p:blipFill>
-          <a:blip r:embed="rId3"/>
-          <a:stretch>
-            <a:fillRect/>
-          </a:stretch>
-        </p:blipFill>
-        <p:spPr>
-          <a:xfrm>
-            <a:off x="687898" y="2024932"/>
-            <a:ext cx="4905742" cy="3688669"/>
-          </a:xfrm>
-          <a:prstGeom prst="rect">
-            <a:avLst/>
-          </a:prstGeom>
-        </p:spPr>
-      </p:pic>
-    </p:spTree>
-    <p:extLst>
-      <p:ext uri="{BB962C8B-B14F-4D97-AF65-F5344CB8AC3E}">
-        <p14:creationId xmlns:p14="http://schemas.microsoft.com/office/powerpoint/2010/main" val="3099573773"/>
-      </p:ext>
-    </p:extLst>
-  </p:cSld>
-  <p:clrMapOvr>
-    <a:masterClrMapping/>
-  </p:clrMapOvr>
-</p:sld>
-</file>
-
-<file path=ppt/slides/slide11.xml><?xml version="1.0" encoding="utf-8"?>
-<p:sld xmlns:a="http://schemas.openxmlformats.org/drawingml/2006/main" xmlns:r="http://schemas.openxmlformats.org/officeDocument/2006/relationships" xmlns:p="http://schemas.openxmlformats.org/presentationml/2006/main">
-  <p:cSld>
-    <p:spTree>
-      <p:nvGrpSpPr>
-        <p:cNvPr id="1" name="">
-          <a:extLst>
-            <a:ext uri="{FF2B5EF4-FFF2-40B4-BE49-F238E27FC236}">
               <a16:creationId xmlns:a16="http://schemas.microsoft.com/office/drawing/2014/main" id="{2D0B4E59-C307-7B73-0DAB-F2B19BB6F1C8}"/>
             </a:ext>
           </a:extLst>
@@ -10182,7 +9396,7 @@
 </p:sld>
 </file>
 
-<file path=ppt/slides/slide12.xml><?xml version="1.0" encoding="utf-8"?>
+<file path=ppt/slides/slide11.xml><?xml version="1.0" encoding="utf-8"?>
 <p:sld xmlns:a="http://schemas.openxmlformats.org/drawingml/2006/main" xmlns:r="http://schemas.openxmlformats.org/officeDocument/2006/relationships" xmlns:p="http://schemas.openxmlformats.org/presentationml/2006/main">
   <p:cSld>
     <p:spTree>
